--- a/Intel knights landing exposicion.pptx
+++ b/Intel knights landing exposicion.pptx
@@ -8,11 +8,14 @@
     <p:sldId id="256" r:id="rId2"/>
     <p:sldId id="258" r:id="rId3"/>
     <p:sldId id="260" r:id="rId4"/>
-    <p:sldId id="261" r:id="rId5"/>
-    <p:sldId id="262" r:id="rId6"/>
-    <p:sldId id="257" r:id="rId7"/>
-    <p:sldId id="263" r:id="rId8"/>
-    <p:sldId id="259" r:id="rId9"/>
+    <p:sldId id="265" r:id="rId5"/>
+    <p:sldId id="261" r:id="rId6"/>
+    <p:sldId id="267" r:id="rId7"/>
+    <p:sldId id="257" r:id="rId8"/>
+    <p:sldId id="263" r:id="rId9"/>
+    <p:sldId id="264" r:id="rId10"/>
+    <p:sldId id="259" r:id="rId11"/>
+    <p:sldId id="266" r:id="rId12"/>
   </p:sldIdLst>
   <p:sldSz cx="12192000" cy="6858000"/>
   <p:notesSz cx="6858000" cy="9144000"/>
@@ -119,6 +122,10 @@
 </p:presentation>
 </file>
 
+<file path=ppt/revisionInfo.xml><?xml version="1.0" encoding="utf-8"?>
+<p1510:revInfo xmlns:a="http://schemas.openxmlformats.org/drawingml/2006/main" xmlns:r="http://schemas.openxmlformats.org/officeDocument/2006/relationships" xmlns:p1510="http://schemas.microsoft.com/office/powerpoint/2015/10/main"/>
+</file>
+
 <file path=ppt/slideLayouts/slideLayout1.xml><?xml version="1.0" encoding="utf-8"?>
 <p:sldLayout xmlns:a="http://schemas.openxmlformats.org/drawingml/2006/main" xmlns:r="http://schemas.openxmlformats.org/officeDocument/2006/relationships" xmlns:p="http://schemas.openxmlformats.org/presentationml/2006/main" showMasterSp="0" type="title" preserve="1">
   <p:cSld name="Diapositiva de título">
@@ -865,7 +872,7 @@
             <a:fld id="{B61BEF0D-F0BB-DE4B-95CE-6DB70DBA9567}" type="datetimeFigureOut">
               <a:rPr lang="en-US" dirty="0"/>
               <a:pPr/>
-              <a:t>11/14/2017</a:t>
+              <a:t>11/16/2017</a:t>
             </a:fld>
             <a:endParaRPr lang="en-US" dirty="0"/>
           </a:p>
@@ -1113,7 +1120,7 @@
             <a:fld id="{B61BEF0D-F0BB-DE4B-95CE-6DB70DBA9567}" type="datetimeFigureOut">
               <a:rPr lang="en-US" dirty="0"/>
               <a:pPr/>
-              <a:t>11/14/2017</a:t>
+              <a:t>11/16/2017</a:t>
             </a:fld>
             <a:endParaRPr lang="en-US" dirty="0"/>
           </a:p>
@@ -1424,7 +1431,7 @@
             <a:fld id="{B61BEF0D-F0BB-DE4B-95CE-6DB70DBA9567}" type="datetimeFigureOut">
               <a:rPr lang="en-US" dirty="0"/>
               <a:pPr/>
-              <a:t>11/14/2017</a:t>
+              <a:t>11/16/2017</a:t>
             </a:fld>
             <a:endParaRPr lang="en-US" dirty="0"/>
           </a:p>
@@ -1754,7 +1761,7 @@
             <a:fld id="{B61BEF0D-F0BB-DE4B-95CE-6DB70DBA9567}" type="datetimeFigureOut">
               <a:rPr lang="en-US" dirty="0"/>
               <a:pPr/>
-              <a:t>11/14/2017</a:t>
+              <a:t>11/16/2017</a:t>
             </a:fld>
             <a:endParaRPr lang="en-US" dirty="0"/>
           </a:p>
@@ -2065,7 +2072,7 @@
             <a:fld id="{B61BEF0D-F0BB-DE4B-95CE-6DB70DBA9567}" type="datetimeFigureOut">
               <a:rPr lang="en-US" dirty="0"/>
               <a:pPr/>
-              <a:t>11/14/2017</a:t>
+              <a:t>11/16/2017</a:t>
             </a:fld>
             <a:endParaRPr lang="en-US" dirty="0"/>
           </a:p>
@@ -2455,7 +2462,7 @@
             <a:fld id="{B61BEF0D-F0BB-DE4B-95CE-6DB70DBA9567}" type="datetimeFigureOut">
               <a:rPr lang="en-US" dirty="0"/>
               <a:pPr/>
-              <a:t>11/14/2017</a:t>
+              <a:t>11/16/2017</a:t>
             </a:fld>
             <a:endParaRPr lang="en-US" dirty="0"/>
           </a:p>
@@ -2621,7 +2628,7 @@
           <a:p>
             <a:fld id="{55C6B4A9-1611-4792-9094-5F34BCA07E0B}" type="datetimeFigureOut">
               <a:rPr lang="en-US" dirty="0"/>
-              <a:t>11/14/2017</a:t>
+              <a:t>11/16/2017</a:t>
             </a:fld>
             <a:endParaRPr lang="en-US" dirty="0"/>
           </a:p>
@@ -2797,7 +2804,7 @@
             <a:fld id="{B61BEF0D-F0BB-DE4B-95CE-6DB70DBA9567}" type="datetimeFigureOut">
               <a:rPr lang="en-US" dirty="0"/>
               <a:pPr/>
-              <a:t>11/14/2017</a:t>
+              <a:t>11/16/2017</a:t>
             </a:fld>
             <a:endParaRPr lang="en-US" dirty="0"/>
           </a:p>
@@ -2963,7 +2970,7 @@
           <a:p>
             <a:fld id="{42A54C80-263E-416B-A8E0-580EDEADCBDC}" type="datetimeFigureOut">
               <a:rPr lang="en-US" dirty="0"/>
-              <a:t>11/14/2017</a:t>
+              <a:t>11/16/2017</a:t>
             </a:fld>
             <a:endParaRPr lang="en-US" dirty="0"/>
           </a:p>
@@ -3206,7 +3213,7 @@
             <a:fld id="{B61BEF0D-F0BB-DE4B-95CE-6DB70DBA9567}" type="datetimeFigureOut">
               <a:rPr lang="en-US" dirty="0"/>
               <a:pPr/>
-              <a:t>11/14/2017</a:t>
+              <a:t>11/16/2017</a:t>
             </a:fld>
             <a:endParaRPr lang="en-US" dirty="0"/>
           </a:p>
@@ -3434,7 +3441,7 @@
           <a:p>
             <a:fld id="{42A54C80-263E-416B-A8E0-580EDEADCBDC}" type="datetimeFigureOut">
               <a:rPr lang="en-US" dirty="0"/>
-              <a:t>11/14/2017</a:t>
+              <a:t>11/16/2017</a:t>
             </a:fld>
             <a:endParaRPr lang="en-US" dirty="0"/>
           </a:p>
@@ -3804,7 +3811,7 @@
             <a:fld id="{B61BEF0D-F0BB-DE4B-95CE-6DB70DBA9567}" type="datetimeFigureOut">
               <a:rPr lang="en-US" dirty="0"/>
               <a:pPr/>
-              <a:t>11/14/2017</a:t>
+              <a:t>11/16/2017</a:t>
             </a:fld>
             <a:endParaRPr lang="en-US" dirty="0"/>
           </a:p>
@@ -3924,7 +3931,7 @@
             <a:fld id="{B61BEF0D-F0BB-DE4B-95CE-6DB70DBA9567}" type="datetimeFigureOut">
               <a:rPr lang="en-US" dirty="0"/>
               <a:pPr/>
-              <a:t>11/14/2017</a:t>
+              <a:t>11/16/2017</a:t>
             </a:fld>
             <a:endParaRPr lang="en-US" dirty="0"/>
           </a:p>
@@ -4016,7 +4023,7 @@
             <a:fld id="{B61BEF0D-F0BB-DE4B-95CE-6DB70DBA9567}" type="datetimeFigureOut">
               <a:rPr lang="en-US" dirty="0"/>
               <a:pPr/>
-              <a:t>11/14/2017</a:t>
+              <a:t>11/16/2017</a:t>
             </a:fld>
             <a:endParaRPr lang="en-US" dirty="0"/>
           </a:p>
@@ -4267,7 +4274,7 @@
           <a:p>
             <a:fld id="{42A54C80-263E-416B-A8E0-580EDEADCBDC}" type="datetimeFigureOut">
               <a:rPr lang="en-US" dirty="0"/>
-              <a:t>11/14/2017</a:t>
+              <a:t>11/16/2017</a:t>
             </a:fld>
             <a:endParaRPr lang="en-US" dirty="0"/>
           </a:p>
@@ -4569,7 +4576,7 @@
             <a:fld id="{B61BEF0D-F0BB-DE4B-95CE-6DB70DBA9567}" type="datetimeFigureOut">
               <a:rPr lang="en-US" dirty="0"/>
               <a:pPr/>
-              <a:t>11/14/2017</a:t>
+              <a:t>11/16/2017</a:t>
             </a:fld>
             <a:endParaRPr lang="en-US" dirty="0"/>
           </a:p>
@@ -5267,7 +5274,7 @@
             <a:fld id="{B61BEF0D-F0BB-DE4B-95CE-6DB70DBA9567}" type="datetimeFigureOut">
               <a:rPr lang="en-US" dirty="0"/>
               <a:pPr/>
-              <a:t>11/14/2017</a:t>
+              <a:t>11/16/2017</a:t>
             </a:fld>
             <a:endParaRPr lang="en-US" dirty="0"/>
           </a:p>
@@ -6590,6 +6597,189 @@
 </p:sld>
 </file>
 
+<file path=ppt/slides/slide10.xml><?xml version="1.0" encoding="utf-8"?>
+<p:sld xmlns:a="http://schemas.openxmlformats.org/drawingml/2006/main" xmlns:r="http://schemas.openxmlformats.org/officeDocument/2006/relationships" xmlns:p="http://schemas.openxmlformats.org/presentationml/2006/main">
+  <p:cSld>
+    <p:spTree>
+      <p:nvGrpSpPr>
+        <p:cNvPr id="1" name=""/>
+        <p:cNvGrpSpPr/>
+        <p:nvPr/>
+      </p:nvGrpSpPr>
+      <p:grpSpPr>
+        <a:xfrm>
+          <a:off x="0" y="0"/>
+          <a:ext cx="0" cy="0"/>
+          <a:chOff x="0" y="0"/>
+          <a:chExt cx="0" cy="0"/>
+        </a:xfrm>
+      </p:grpSpPr>
+      <p:pic>
+        <p:nvPicPr>
+          <p:cNvPr id="12" name="Marcador de contenido 11">
+            <a:extLst>
+              <a:ext uri="{FF2B5EF4-FFF2-40B4-BE49-F238E27FC236}">
+                <a16:creationId xmlns:a16="http://schemas.microsoft.com/office/drawing/2014/main" id="{8310CC3E-1DA6-4AF5-98D4-3A2ACE97DA1E}"/>
+              </a:ext>
+            </a:extLst>
+          </p:cNvPr>
+          <p:cNvPicPr>
+            <a:picLocks noGrp="1" noChangeAspect="1"/>
+          </p:cNvPicPr>
+          <p:nvPr>
+            <p:ph idx="1"/>
+          </p:nvPr>
+        </p:nvPicPr>
+        <p:blipFill>
+          <a:blip r:embed="rId2"/>
+          <a:stretch>
+            <a:fillRect/>
+          </a:stretch>
+        </p:blipFill>
+        <p:spPr>
+          <a:xfrm>
+            <a:off x="0" y="1"/>
+            <a:ext cx="9546060" cy="6858000"/>
+          </a:xfrm>
+        </p:spPr>
+      </p:pic>
+    </p:spTree>
+    <p:extLst>
+      <p:ext uri="{BB962C8B-B14F-4D97-AF65-F5344CB8AC3E}">
+        <p14:creationId xmlns:p14="http://schemas.microsoft.com/office/powerpoint/2010/main" val="4073881279"/>
+      </p:ext>
+    </p:extLst>
+  </p:cSld>
+  <p:clrMapOvr>
+    <a:masterClrMapping/>
+  </p:clrMapOvr>
+</p:sld>
+</file>
+
+<file path=ppt/slides/slide11.xml><?xml version="1.0" encoding="utf-8"?>
+<p:sld xmlns:a="http://schemas.openxmlformats.org/drawingml/2006/main" xmlns:r="http://schemas.openxmlformats.org/officeDocument/2006/relationships" xmlns:p="http://schemas.openxmlformats.org/presentationml/2006/main">
+  <p:cSld>
+    <p:spTree>
+      <p:nvGrpSpPr>
+        <p:cNvPr id="1" name=""/>
+        <p:cNvGrpSpPr/>
+        <p:nvPr/>
+      </p:nvGrpSpPr>
+      <p:grpSpPr>
+        <a:xfrm>
+          <a:off x="0" y="0"/>
+          <a:ext cx="0" cy="0"/>
+          <a:chOff x="0" y="0"/>
+          <a:chExt cx="0" cy="0"/>
+        </a:xfrm>
+      </p:grpSpPr>
+      <p:sp>
+        <p:nvSpPr>
+          <p:cNvPr id="2" name="Título 1">
+            <a:extLst>
+              <a:ext uri="{FF2B5EF4-FFF2-40B4-BE49-F238E27FC236}">
+                <a16:creationId xmlns:a16="http://schemas.microsoft.com/office/drawing/2014/main" id="{70AA3029-0A64-4E3A-98C0-CDA7E20B9048}"/>
+              </a:ext>
+            </a:extLst>
+          </p:cNvPr>
+          <p:cNvSpPr>
+            <a:spLocks noGrp="1"/>
+          </p:cNvSpPr>
+          <p:nvPr>
+            <p:ph type="title"/>
+          </p:nvPr>
+        </p:nvSpPr>
+        <p:spPr/>
+        <p:txBody>
+          <a:bodyPr/>
+          <a:lstStyle/>
+          <a:p>
+            <a:pPr algn="ctr"/>
+            <a:r>
+              <a:rPr lang="es-CO" dirty="0">
+                <a:solidFill>
+                  <a:srgbClr val="002060"/>
+                </a:solidFill>
+              </a:rPr>
+              <a:t>Referencia</a:t>
+            </a:r>
+          </a:p>
+        </p:txBody>
+      </p:sp>
+      <p:sp>
+        <p:nvSpPr>
+          <p:cNvPr id="3" name="Marcador de contenido 2">
+            <a:extLst>
+              <a:ext uri="{FF2B5EF4-FFF2-40B4-BE49-F238E27FC236}">
+                <a16:creationId xmlns:a16="http://schemas.microsoft.com/office/drawing/2014/main" id="{C99723C6-4035-42D3-884E-9A837ADD0935}"/>
+              </a:ext>
+            </a:extLst>
+          </p:cNvPr>
+          <p:cNvSpPr>
+            <a:spLocks noGrp="1"/>
+          </p:cNvSpPr>
+          <p:nvPr>
+            <p:ph idx="1"/>
+          </p:nvPr>
+        </p:nvSpPr>
+        <p:spPr/>
+        <p:txBody>
+          <a:bodyPr/>
+          <a:lstStyle/>
+          <a:p>
+            <a:r>
+              <a:rPr lang="es-CO" dirty="0">
+                <a:hlinkClick r:id="rId2"/>
+              </a:rPr>
+              <a:t>https://www.youtube.com/watch?v=TI8xQNmLwpk</a:t>
+            </a:r>
+            <a:endParaRPr lang="es-CO" dirty="0"/>
+          </a:p>
+          <a:p>
+            <a:r>
+              <a:rPr lang="es-CO" dirty="0">
+                <a:hlinkClick r:id="rId3"/>
+              </a:rPr>
+              <a:t>http://distribucion.itsitio.com/us/intel-develo-su-segunda-generacion-de-coprocesadores-xeon-phi-3/</a:t>
+            </a:r>
+            <a:endParaRPr lang="es-CO" dirty="0"/>
+          </a:p>
+          <a:p>
+            <a:r>
+              <a:rPr lang="es-CO" dirty="0">
+                <a:hlinkClick r:id="rId4"/>
+              </a:rPr>
+              <a:t>https://www.alcf.anl.gov/files/HC27.25.710-Knights-Landing-Sodani-Intel.pdf</a:t>
+            </a:r>
+            <a:endParaRPr lang="es-CO" dirty="0"/>
+          </a:p>
+          <a:p>
+            <a:r>
+              <a:rPr lang="es-CO" dirty="0">
+                <a:hlinkClick r:id="rId5"/>
+              </a:rPr>
+              <a:t>https://www.xataka.com/componentes/supercomputadores-domesticos-los-72-nucleos-de-intel-knights-landing-llegan-a-las-workstations</a:t>
+            </a:r>
+            <a:endParaRPr lang="es-CO" dirty="0"/>
+          </a:p>
+          <a:p>
+            <a:endParaRPr lang="es-CO" dirty="0"/>
+          </a:p>
+        </p:txBody>
+      </p:sp>
+    </p:spTree>
+    <p:extLst>
+      <p:ext uri="{BB962C8B-B14F-4D97-AF65-F5344CB8AC3E}">
+        <p14:creationId xmlns:p14="http://schemas.microsoft.com/office/powerpoint/2010/main" val="3292144132"/>
+      </p:ext>
+    </p:extLst>
+  </p:cSld>
+  <p:clrMapOvr>
+    <a:masterClrMapping/>
+  </p:clrMapOvr>
+</p:sld>
+</file>
+
 <file path=ppt/slides/slide2.xml><?xml version="1.0" encoding="utf-8"?>
 <p:sld xmlns:a="http://schemas.openxmlformats.org/drawingml/2006/main" xmlns:r="http://schemas.openxmlformats.org/officeDocument/2006/relationships" xmlns:p="http://schemas.openxmlformats.org/presentationml/2006/main">
   <p:cSld>
@@ -7449,6 +7639,103 @@
 <file path=ppt/slides/slide4.xml><?xml version="1.0" encoding="utf-8"?>
 <p:sld xmlns:a="http://schemas.openxmlformats.org/drawingml/2006/main" xmlns:r="http://schemas.openxmlformats.org/officeDocument/2006/relationships" xmlns:p="http://schemas.openxmlformats.org/presentationml/2006/main">
   <p:cSld>
+    <p:spTree>
+      <p:nvGrpSpPr>
+        <p:cNvPr id="1" name=""/>
+        <p:cNvGrpSpPr/>
+        <p:nvPr/>
+      </p:nvGrpSpPr>
+      <p:grpSpPr>
+        <a:xfrm>
+          <a:off x="0" y="0"/>
+          <a:ext cx="0" cy="0"/>
+          <a:chOff x="0" y="0"/>
+          <a:chExt cx="0" cy="0"/>
+        </a:xfrm>
+      </p:grpSpPr>
+      <p:sp>
+        <p:nvSpPr>
+          <p:cNvPr id="2" name="Título 1">
+            <a:extLst>
+              <a:ext uri="{FF2B5EF4-FFF2-40B4-BE49-F238E27FC236}">
+                <a16:creationId xmlns:a16="http://schemas.microsoft.com/office/drawing/2014/main" id="{4C8331F8-5213-49D1-B31A-59D820A4E74C}"/>
+              </a:ext>
+            </a:extLst>
+          </p:cNvPr>
+          <p:cNvSpPr>
+            <a:spLocks noGrp="1"/>
+          </p:cNvSpPr>
+          <p:nvPr>
+            <p:ph type="title"/>
+          </p:nvPr>
+        </p:nvSpPr>
+        <p:spPr/>
+        <p:txBody>
+          <a:bodyPr>
+            <a:normAutofit/>
+          </a:bodyPr>
+          <a:lstStyle/>
+          <a:p>
+            <a:pPr marL="571500" indent="-571500">
+              <a:buFont typeface="Wingdings" panose="05000000000000000000" pitchFamily="2" charset="2"/>
+              <a:buChar char="Ø"/>
+            </a:pPr>
+            <a:r>
+              <a:rPr lang="es-CO" sz="4400" dirty="0">
+                <a:solidFill>
+                  <a:srgbClr val="002060"/>
+                </a:solidFill>
+              </a:rPr>
+              <a:t>Threads</a:t>
+            </a:r>
+          </a:p>
+        </p:txBody>
+      </p:sp>
+      <p:pic>
+        <p:nvPicPr>
+          <p:cNvPr id="5" name="Marcador de contenido 4">
+            <a:extLst>
+              <a:ext uri="{FF2B5EF4-FFF2-40B4-BE49-F238E27FC236}">
+                <a16:creationId xmlns:a16="http://schemas.microsoft.com/office/drawing/2014/main" id="{215F8F14-B4F3-4DDE-8DD5-3F4491A66E5B}"/>
+              </a:ext>
+            </a:extLst>
+          </p:cNvPr>
+          <p:cNvPicPr>
+            <a:picLocks noGrp="1" noChangeAspect="1"/>
+          </p:cNvPicPr>
+          <p:nvPr>
+            <p:ph idx="1"/>
+          </p:nvPr>
+        </p:nvPicPr>
+        <p:blipFill>
+          <a:blip r:embed="rId2"/>
+          <a:stretch>
+            <a:fillRect/>
+          </a:stretch>
+        </p:blipFill>
+        <p:spPr>
+          <a:xfrm>
+            <a:off x="983314" y="1774431"/>
+            <a:ext cx="7620264" cy="4735226"/>
+          </a:xfrm>
+        </p:spPr>
+      </p:pic>
+    </p:spTree>
+    <p:extLst>
+      <p:ext uri="{BB962C8B-B14F-4D97-AF65-F5344CB8AC3E}">
+        <p14:creationId xmlns:p14="http://schemas.microsoft.com/office/powerpoint/2010/main" val="1558572137"/>
+      </p:ext>
+    </p:extLst>
+  </p:cSld>
+  <p:clrMapOvr>
+    <a:masterClrMapping/>
+  </p:clrMapOvr>
+</p:sld>
+</file>
+
+<file path=ppt/slides/slide5.xml><?xml version="1.0" encoding="utf-8"?>
+<p:sld xmlns:a="http://schemas.openxmlformats.org/drawingml/2006/main" xmlns:r="http://schemas.openxmlformats.org/officeDocument/2006/relationships" xmlns:p="http://schemas.openxmlformats.org/presentationml/2006/main">
+  <p:cSld>
     <p:bg>
       <p:bgPr>
         <a:solidFill>
@@ -7514,7 +7801,7 @@
 </p:sld>
 </file>
 
-<file path=ppt/slides/slide5.xml><?xml version="1.0" encoding="utf-8"?>
+<file path=ppt/slides/slide6.xml><?xml version="1.0" encoding="utf-8"?>
 <p:sld xmlns:a="http://schemas.openxmlformats.org/drawingml/2006/main" xmlns:r="http://schemas.openxmlformats.org/officeDocument/2006/relationships" xmlns:p="http://schemas.openxmlformats.org/presentationml/2006/main">
   <p:cSld>
     <p:spTree>
@@ -7531,39 +7818,91 @@
           <a:chExt cx="0" cy="0"/>
         </a:xfrm>
       </p:grpSpPr>
-      <p:pic>
-        <p:nvPicPr>
-          <p:cNvPr id="5" name="Marcador de contenido 4">
+      <p:sp>
+        <p:nvSpPr>
+          <p:cNvPr id="2" name="Título 1">
             <a:extLst>
               <a:ext uri="{FF2B5EF4-FFF2-40B4-BE49-F238E27FC236}">
-                <a16:creationId xmlns:a16="http://schemas.microsoft.com/office/drawing/2014/main" id="{C38752B5-F436-4891-8BDC-225D857CCF9E}"/>
+                <a16:creationId xmlns:a16="http://schemas.microsoft.com/office/drawing/2014/main" id="{73E44045-94A7-407F-A69A-7C01335DF1E0}"/>
               </a:ext>
             </a:extLst>
           </p:cNvPr>
-          <p:cNvPicPr>
-            <a:picLocks noGrp="1" noChangeAspect="1"/>
-          </p:cNvPicPr>
+          <p:cNvSpPr>
+            <a:spLocks noGrp="1"/>
+          </p:cNvSpPr>
+          <p:nvPr>
+            <p:ph type="title"/>
+          </p:nvPr>
+        </p:nvSpPr>
+        <p:spPr/>
+        <p:txBody>
+          <a:bodyPr>
+            <a:noAutofit/>
+          </a:bodyPr>
+          <a:lstStyle/>
+          <a:p>
+            <a:pPr algn="ctr"/>
+            <a:r>
+              <a:rPr lang="es-CO" sz="6000" dirty="0">
+                <a:solidFill>
+                  <a:schemeClr val="accent2">
+                    <a:lumMod val="75000"/>
+                  </a:schemeClr>
+                </a:solidFill>
+              </a:rPr>
+              <a:t>Procesadores Intel knights</a:t>
+            </a:r>
+          </a:p>
+        </p:txBody>
+      </p:sp>
+      <p:sp>
+        <p:nvSpPr>
+          <p:cNvPr id="3" name="Marcador de contenido 2">
+            <a:extLst>
+              <a:ext uri="{FF2B5EF4-FFF2-40B4-BE49-F238E27FC236}">
+                <a16:creationId xmlns:a16="http://schemas.microsoft.com/office/drawing/2014/main" id="{C9E5F097-F83B-429B-9D17-D379D9CDC2DE}"/>
+              </a:ext>
+            </a:extLst>
+          </p:cNvPr>
+          <p:cNvSpPr>
+            <a:spLocks noGrp="1"/>
+          </p:cNvSpPr>
           <p:nvPr>
             <p:ph idx="1"/>
           </p:nvPr>
-        </p:nvPicPr>
-        <p:blipFill>
-          <a:blip r:embed="rId2"/>
-          <a:stretch>
-            <a:fillRect/>
-          </a:stretch>
-        </p:blipFill>
+        </p:nvSpPr>
         <p:spPr>
           <a:xfrm>
-            <a:off x="3188858" y="395131"/>
-            <a:ext cx="3812835" cy="6067737"/>
+            <a:off x="677334" y="3429000"/>
+            <a:ext cx="8596668" cy="3880773"/>
           </a:xfrm>
         </p:spPr>
-      </p:pic>
+        <p:txBody>
+          <a:bodyPr>
+            <a:normAutofit/>
+          </a:bodyPr>
+          <a:lstStyle/>
+          <a:p>
+            <a:r>
+              <a:rPr lang="es-CO" sz="4800" dirty="0"/>
+              <a:t>Knights Hill</a:t>
+            </a:r>
+          </a:p>
+          <a:p>
+            <a:endParaRPr lang="es-CO" sz="4800" dirty="0"/>
+          </a:p>
+          <a:p>
+            <a:r>
+              <a:rPr lang="es-CO" sz="4800" dirty="0"/>
+              <a:t>Knights Mill   </a:t>
+            </a:r>
+          </a:p>
+        </p:txBody>
+      </p:sp>
     </p:spTree>
     <p:extLst>
       <p:ext uri="{BB962C8B-B14F-4D97-AF65-F5344CB8AC3E}">
-        <p14:creationId xmlns:p14="http://schemas.microsoft.com/office/powerpoint/2010/main" val="3635276303"/>
+        <p14:creationId xmlns:p14="http://schemas.microsoft.com/office/powerpoint/2010/main" val="3035636475"/>
       </p:ext>
     </p:extLst>
   </p:cSld>
@@ -7573,7 +7912,7 @@
 </p:sld>
 </file>
 
-<file path=ppt/slides/slide6.xml><?xml version="1.0" encoding="utf-8"?>
+<file path=ppt/slides/slide7.xml><?xml version="1.0" encoding="utf-8"?>
 <p:sld xmlns:a="http://schemas.openxmlformats.org/drawingml/2006/main" xmlns:r="http://schemas.openxmlformats.org/officeDocument/2006/relationships" xmlns:p="http://schemas.openxmlformats.org/presentationml/2006/main">
   <p:cSld>
     <p:bg>
@@ -8369,7 +8708,7 @@
 </p:sld>
 </file>
 
-<file path=ppt/slides/slide7.xml><?xml version="1.0" encoding="utf-8"?>
+<file path=ppt/slides/slide8.xml><?xml version="1.0" encoding="utf-8"?>
 <p:sld xmlns:a="http://schemas.openxmlformats.org/drawingml/2006/main" xmlns:r="http://schemas.openxmlformats.org/officeDocument/2006/relationships" xmlns:p="http://schemas.openxmlformats.org/presentationml/2006/main">
   <p:cSld>
     <p:spTree>
@@ -8412,13 +8751,14 @@
           <a:bodyPr/>
           <a:lstStyle/>
           <a:p>
+            <a:pPr algn="ctr"/>
             <a:r>
               <a:rPr lang="es-CO" dirty="0">
                 <a:solidFill>
                   <a:srgbClr val="002060"/>
                 </a:solidFill>
               </a:rPr>
-              <a:t>Intel knights landing</a:t>
+              <a:t>Intel Knights Landing</a:t>
             </a:r>
             <a:endParaRPr lang="es-CO" dirty="0"/>
           </a:p>
@@ -8442,12 +8782,14 @@
         </p:nvSpPr>
         <p:spPr>
           <a:xfrm>
-            <a:off x="298511" y="1233126"/>
-            <a:ext cx="8596668" cy="3880773"/>
+            <a:off x="285449" y="1076888"/>
+            <a:ext cx="8596668" cy="5624874"/>
           </a:xfrm>
         </p:spPr>
         <p:txBody>
-          <a:bodyPr/>
+          <a:bodyPr>
+            <a:normAutofit fontScale="92500" lnSpcReduction="20000"/>
+          </a:bodyPr>
           <a:lstStyle/>
           <a:p>
             <a:pPr>
@@ -8455,7 +8797,7 @@
               <a:buChar char="Ø"/>
             </a:pPr>
             <a:r>
-              <a:rPr lang="es-CO" dirty="0">
+              <a:rPr lang="es-CO" sz="4200" dirty="0">
                 <a:solidFill>
                   <a:schemeClr val="tx1"/>
                 </a:solidFill>
@@ -8469,7 +8811,7 @@
               <a:buChar char="•"/>
             </a:pPr>
             <a:r>
-              <a:rPr lang="es-CO" dirty="0">
+              <a:rPr lang="es-CO" sz="4200" dirty="0">
                 <a:solidFill>
                   <a:schemeClr val="tx1"/>
                 </a:solidFill>
@@ -8483,7 +8825,7 @@
               <a:buChar char="•"/>
             </a:pPr>
             <a:r>
-              <a:rPr lang="es-CO" dirty="0">
+              <a:rPr lang="es-CO" sz="4200" dirty="0">
                 <a:solidFill>
                   <a:schemeClr val="tx1"/>
                 </a:solidFill>
@@ -8497,28 +8839,40 @@
               <a:buChar char="Ø"/>
             </a:pPr>
             <a:r>
-              <a:rPr lang="es-CO" dirty="0">
+              <a:rPr lang="es-CO" sz="4200" dirty="0">
                 <a:solidFill>
                   <a:schemeClr val="tx1"/>
                 </a:solidFill>
               </a:rPr>
-              <a:t>Sucesor Intel knights </a:t>
-            </a:r>
-            <a:r>
-              <a:rPr lang="es-CO" dirty="0" err="1">
+              <a:t>Sucesor Intel knights Córner </a:t>
+            </a:r>
+          </a:p>
+          <a:p>
+            <a:pPr>
+              <a:buFont typeface="Wingdings" panose="05000000000000000000" pitchFamily="2" charset="2"/>
+              <a:buChar char="Ø"/>
+            </a:pPr>
+            <a:r>
+              <a:rPr lang="es-CO" sz="4200" dirty="0">
                 <a:solidFill>
                   <a:schemeClr val="tx1"/>
                 </a:solidFill>
               </a:rPr>
-              <a:t>Corner</a:t>
-            </a:r>
-            <a:r>
-              <a:rPr lang="es-CO" dirty="0">
+              <a:t>Nuevos modos </a:t>
+            </a:r>
+          </a:p>
+          <a:p>
+            <a:pPr>
+              <a:buFont typeface="Wingdings" panose="05000000000000000000" pitchFamily="2" charset="2"/>
+              <a:buChar char="Ø"/>
+            </a:pPr>
+            <a:r>
+              <a:rPr lang="es-CO" sz="4200" dirty="0">
                 <a:solidFill>
                   <a:schemeClr val="tx1"/>
                 </a:solidFill>
               </a:rPr>
-              <a:t> </a:t>
+              <a:t>Nuevo arquitectura de procesos </a:t>
             </a:r>
           </a:p>
           <a:p>
@@ -8527,35 +8881,7 @@
               <a:buChar char="Ø"/>
             </a:pPr>
             <a:r>
-              <a:rPr lang="es-CO" dirty="0">
-                <a:solidFill>
-                  <a:schemeClr val="tx1"/>
-                </a:solidFill>
-              </a:rPr>
-              <a:t>Nuevos modos de operación </a:t>
-            </a:r>
-          </a:p>
-          <a:p>
-            <a:pPr>
-              <a:buFont typeface="Wingdings" panose="05000000000000000000" pitchFamily="2" charset="2"/>
-              <a:buChar char="Ø"/>
-            </a:pPr>
-            <a:r>
-              <a:rPr lang="es-CO" dirty="0">
-                <a:solidFill>
-                  <a:schemeClr val="tx1"/>
-                </a:solidFill>
-              </a:rPr>
-              <a:t>Nuevo arquitecto de procesos </a:t>
-            </a:r>
-          </a:p>
-          <a:p>
-            <a:pPr>
-              <a:buFont typeface="Wingdings" panose="05000000000000000000" pitchFamily="2" charset="2"/>
-              <a:buChar char="Ø"/>
-            </a:pPr>
-            <a:r>
-              <a:rPr lang="es-CO" dirty="0">
+              <a:rPr lang="es-CO" sz="4200" dirty="0">
                 <a:solidFill>
                   <a:schemeClr val="tx1"/>
                 </a:solidFill>
@@ -8569,26 +8895,13 @@
               <a:buChar char="Ø"/>
             </a:pPr>
             <a:r>
-              <a:rPr lang="es-CO" dirty="0">
+              <a:rPr lang="es-CO" sz="4200" dirty="0">
                 <a:solidFill>
                   <a:schemeClr val="tx1"/>
                 </a:solidFill>
               </a:rPr>
-              <a:t>Nuevos </a:t>
-            </a:r>
-            <a:r>
-              <a:rPr lang="es-CO" dirty="0" err="1">
-                <a:solidFill>
-                  <a:schemeClr val="tx1"/>
-                </a:solidFill>
-              </a:rPr>
-              <a:t>nucleos</a:t>
-            </a:r>
-            <a:endParaRPr lang="es-CO" dirty="0">
-              <a:solidFill>
-                <a:schemeClr val="tx1"/>
-              </a:solidFill>
-            </a:endParaRPr>
+              <a:t>Nuevos núcleos</a:t>
+            </a:r>
           </a:p>
           <a:p>
             <a:endParaRPr lang="es-CO" dirty="0">
@@ -8633,7 +8946,7 @@
 </p:sld>
 </file>
 
-<file path=ppt/slides/slide8.xml><?xml version="1.0" encoding="utf-8"?>
+<file path=ppt/slides/slide9.xml><?xml version="1.0" encoding="utf-8"?>
 <p:sld xmlns:a="http://schemas.openxmlformats.org/drawingml/2006/main" xmlns:r="http://schemas.openxmlformats.org/officeDocument/2006/relationships" xmlns:p="http://schemas.openxmlformats.org/presentationml/2006/main">
   <p:cSld>
     <p:spTree>
@@ -8655,7 +8968,7 @@
           <p:cNvPr id="5" name="Marcador de contenido 4">
             <a:extLst>
               <a:ext uri="{FF2B5EF4-FFF2-40B4-BE49-F238E27FC236}">
-                <a16:creationId xmlns:a16="http://schemas.microsoft.com/office/drawing/2014/main" id="{260E7BC2-31F4-480F-8BDA-9507784FE797}"/>
+                <a16:creationId xmlns:a16="http://schemas.microsoft.com/office/drawing/2014/main" id="{1B33C5DB-0B4A-400D-B548-AA509CC8EB4C}"/>
               </a:ext>
             </a:extLst>
           </p:cNvPr>
@@ -8674,15 +8987,15 @@
         </p:blipFill>
         <p:spPr>
           <a:xfrm>
-            <a:off x="394137" y="320901"/>
-            <a:ext cx="11064091" cy="5753327"/>
+            <a:off x="1" y="381145"/>
+            <a:ext cx="10438227" cy="5401368"/>
           </a:xfrm>
         </p:spPr>
       </p:pic>
     </p:spTree>
     <p:extLst>
       <p:ext uri="{BB962C8B-B14F-4D97-AF65-F5344CB8AC3E}">
-        <p14:creationId xmlns:p14="http://schemas.microsoft.com/office/powerpoint/2010/main" val="4073881279"/>
+        <p14:creationId xmlns:p14="http://schemas.microsoft.com/office/powerpoint/2010/main" val="709107142"/>
       </p:ext>
     </p:extLst>
   </p:cSld>
